--- a/final_pptNLP.pptx
+++ b/final_pptNLP.pptx
@@ -275,7 +275,7 @@
       <p15:sldGuideLst xmlns:p15="http://schemas.microsoft.com/office/powerpoint/2012/main"/>
     </p:ext>
     <p:ext uri="http://customooxmlschemas.google.com/">
-      <go:slidesCustomData xmlns="" xmlns:mc="http://schemas.openxmlformats.org/markup-compatibility/2006" xmlns:mv="urn:schemas-microsoft-com:mac:vml" xmlns:c="http://schemas.openxmlformats.org/drawingml/2006/chart" xmlns:dgm="http://schemas.openxmlformats.org/drawingml/2006/diagram" xmlns:o="urn:schemas-microsoft-com:office:office" xmlns:v="urn:schemas-microsoft-com:vml" xmlns:pvml="urn:schemas-microsoft-com:office:powerpoint" xmlns:com="http://schemas.openxmlformats.org/drawingml/2006/compatibility" xmlns:p14="http://schemas.microsoft.com/office/powerpoint/2010/main" xmlns:p15="http://schemas.microsoft.com/office/powerpoint/2012/main" xmlns:go="http://customooxmlschemas.google.com/" r:id="rId36" roundtripDataSignature="AMtx7mjAII4kRcCkk9C3Gw0+kM+hXZoKNA=="/>
+      <go:slidesCustomData xmlns:go="http://customooxmlschemas.google.com/" xmlns:p15="http://schemas.microsoft.com/office/powerpoint/2012/main" xmlns:p14="http://schemas.microsoft.com/office/powerpoint/2010/main" xmlns:com="http://schemas.openxmlformats.org/drawingml/2006/compatibility" xmlns:pvml="urn:schemas-microsoft-com:office:powerpoint" xmlns:v="urn:schemas-microsoft-com:vml" xmlns:o="urn:schemas-microsoft-com:office:office" xmlns:dgm="http://schemas.openxmlformats.org/drawingml/2006/diagram" xmlns:c="http://schemas.openxmlformats.org/drawingml/2006/chart" xmlns:mv="urn:schemas-microsoft-com:mac:vml" xmlns:mc="http://schemas.openxmlformats.org/markup-compatibility/2006" xmlns="" r:id="rId36" roundtripDataSignature="AMtx7mjAII4kRcCkk9C3Gw0+kM+hXZoKNA=="/>
     </p:ext>
   </p:extLst>
 </p:presentation>
@@ -28055,7 +28055,7 @@
         </p:nvSpPr>
         <p:spPr>
           <a:xfrm>
-            <a:off x="2717162" y="5298821"/>
+            <a:off x="2231064" y="5370865"/>
             <a:ext cx="7729800" cy="1365300"/>
           </a:xfrm>
           <a:prstGeom prst="rect">
@@ -28941,10 +28941,10 @@
               <a:buNone/>
             </a:pPr>
             <a:r>
-              <a:rPr lang="en-US"/>
+              <a:rPr lang="en-US" dirty="0"/>
               <a:t>ANALYSIS</a:t>
             </a:r>
-            <a:endParaRPr/>
+            <a:endParaRPr dirty="0"/>
           </a:p>
         </p:txBody>
       </p:sp>
@@ -29023,20 +29023,22 @@
           <a:blip r:embed="rId3">
             <a:alphaModFix/>
           </a:blip>
-          <a:srcRect/>
+          <a:srcRect l="12101" t="9780" r="7906" b="8894"/>
           <a:stretch/>
         </p:blipFill>
         <p:spPr>
           <a:xfrm>
-            <a:off x="3067844" y="2320925"/>
-            <a:ext cx="5881686" cy="3921123"/>
+            <a:off x="3743498" y="2434382"/>
+            <a:ext cx="4705004" cy="3188883"/>
           </a:xfrm>
           <a:prstGeom prst="rect">
             <a:avLst/>
           </a:prstGeom>
           <a:noFill/>
           <a:ln>
-            <a:noFill/>
+            <a:solidFill>
+              <a:schemeClr val="tx1"/>
+            </a:solidFill>
           </a:ln>
         </p:spPr>
       </p:pic>
@@ -29086,6 +29088,47 @@
                   <a:lumOff val="50000"/>
                 </a:schemeClr>
               </a:solidFill>
+            </a:endParaRPr>
+          </a:p>
+        </p:txBody>
+      </p:sp>
+      <p:sp>
+        <p:nvSpPr>
+          <p:cNvPr id="2" name="TextBox 1">
+            <a:extLst>
+              <a:ext uri="{FF2B5EF4-FFF2-40B4-BE49-F238E27FC236}">
+                <a16:creationId xmlns:a16="http://schemas.microsoft.com/office/drawing/2014/main" id="{2BB32510-0502-43C5-9713-61B8AB0FE2BF}"/>
+              </a:ext>
+            </a:extLst>
+          </p:cNvPr>
+          <p:cNvSpPr txBox="1"/>
+          <p:nvPr/>
+        </p:nvSpPr>
+        <p:spPr>
+          <a:xfrm>
+            <a:off x="4274127" y="5738709"/>
+            <a:ext cx="3643746" cy="307777"/>
+          </a:xfrm>
+          <a:prstGeom prst="rect">
+            <a:avLst/>
+          </a:prstGeom>
+          <a:noFill/>
+        </p:spPr>
+        <p:txBody>
+          <a:bodyPr wrap="square" rtlCol="0">
+            <a:spAutoFit/>
+          </a:bodyPr>
+          <a:lstStyle/>
+          <a:p>
+            <a:pPr algn="ctr"/>
+            <a:r>
+              <a:rPr lang="en-US" altLang="ko-KR" dirty="0">
+                <a:latin typeface="Gill Sans"/>
+              </a:rPr>
+              <a:t>&lt;Venn Diagram - Liberal &amp; Conservative&gt;</a:t>
+            </a:r>
+            <a:endParaRPr lang="ko-KR" altLang="en-US" dirty="0">
+              <a:latin typeface="Gill Sans"/>
             </a:endParaRPr>
           </a:p>
         </p:txBody>
@@ -32928,7 +32971,7 @@
         </p:nvSpPr>
         <p:spPr>
           <a:xfrm>
-            <a:off x="2307336" y="659892"/>
+            <a:off x="2232000" y="964800"/>
             <a:ext cx="7729800" cy="1188600"/>
           </a:xfrm>
           <a:prstGeom prst="rect">
@@ -34177,7 +34220,7 @@
         </p:nvSpPr>
         <p:spPr>
           <a:xfrm>
-            <a:off x="2231136" y="653809"/>
+            <a:off x="2231136" y="964800"/>
             <a:ext cx="7729800" cy="1188600"/>
           </a:xfrm>
           <a:prstGeom prst="rect">
@@ -35263,7 +35306,7 @@
         </p:nvSpPr>
         <p:spPr>
           <a:xfrm>
-            <a:off x="2231136" y="651989"/>
+            <a:off x="2231136" y="964800"/>
             <a:ext cx="7729800" cy="1192239"/>
           </a:xfrm>
           <a:prstGeom prst="rect">
@@ -36336,7 +36379,7 @@
     <p:bg>
       <p:bgPr>
         <a:solidFill>
-          <a:srgbClr val="FFFFFF"/>
+          <a:srgbClr val="F2F2F2"/>
         </a:solidFill>
         <a:effectLst/>
       </p:bgPr>
@@ -36417,33 +36460,6 @@
           </a:p>
         </p:txBody>
       </p:sp>
-      <p:pic>
-        <p:nvPicPr>
-          <p:cNvPr id="306" name="Google Shape;306;p22"/>
-          <p:cNvPicPr preferRelativeResize="0"/>
-          <p:nvPr/>
-        </p:nvPicPr>
-        <p:blipFill rotWithShape="1">
-          <a:blip r:embed="rId3">
-            <a:alphaModFix/>
-          </a:blip>
-          <a:srcRect/>
-          <a:stretch/>
-        </p:blipFill>
-        <p:spPr>
-          <a:xfrm>
-            <a:off x="2921849" y="2505114"/>
-            <a:ext cx="6254875" cy="4169900"/>
-          </a:xfrm>
-          <a:prstGeom prst="rect">
-            <a:avLst/>
-          </a:prstGeom>
-          <a:noFill/>
-          <a:ln>
-            <a:noFill/>
-          </a:ln>
-        </p:spPr>
-      </p:pic>
       <p:sp>
         <p:nvSpPr>
           <p:cNvPr id="307" name="Google Shape;307;p22"/>
@@ -36601,14 +36617,182 @@
               <a:buNone/>
             </a:pPr>
             <a:r>
-              <a:rPr lang="en-US" sz="1800" b="1">
-                <a:solidFill>
-                  <a:schemeClr val="dk1"/>
-                </a:solidFill>
-              </a:rPr>
-              <a:t>정치적 이슈(지카 바이러스, 이민법 개혁 여부, 오바마 케어 존폐 여부,</a:t>
-            </a:r>
-            <a:endParaRPr sz="1800" b="1">
+              <a:rPr lang="en-US" sz="1800" b="1" dirty="0" err="1">
+                <a:solidFill>
+                  <a:schemeClr val="dk1"/>
+                </a:solidFill>
+              </a:rPr>
+              <a:t>정치적</a:t>
+            </a:r>
+            <a:r>
+              <a:rPr lang="en-US" sz="1800" b="1" dirty="0">
+                <a:solidFill>
+                  <a:schemeClr val="dk1"/>
+                </a:solidFill>
+              </a:rPr>
+              <a:t> </a:t>
+            </a:r>
+            <a:r>
+              <a:rPr lang="en-US" sz="1800" b="1" dirty="0" err="1">
+                <a:solidFill>
+                  <a:schemeClr val="dk1"/>
+                </a:solidFill>
+              </a:rPr>
+              <a:t>이슈</a:t>
+            </a:r>
+            <a:r>
+              <a:rPr lang="en-US" sz="1800" b="1" dirty="0">
+                <a:solidFill>
+                  <a:schemeClr val="dk1"/>
+                </a:solidFill>
+              </a:rPr>
+              <a:t>(</a:t>
+            </a:r>
+            <a:r>
+              <a:rPr lang="en-US" sz="1800" b="1" dirty="0" err="1">
+                <a:solidFill>
+                  <a:schemeClr val="dk1"/>
+                </a:solidFill>
+              </a:rPr>
+              <a:t>지카</a:t>
+            </a:r>
+            <a:r>
+              <a:rPr lang="en-US" sz="1800" b="1" dirty="0">
+                <a:solidFill>
+                  <a:schemeClr val="dk1"/>
+                </a:solidFill>
+              </a:rPr>
+              <a:t> </a:t>
+            </a:r>
+            <a:r>
+              <a:rPr lang="en-US" sz="1800" b="1" dirty="0" err="1">
+                <a:solidFill>
+                  <a:schemeClr val="dk1"/>
+                </a:solidFill>
+              </a:rPr>
+              <a:t>바이러스</a:t>
+            </a:r>
+            <a:r>
+              <a:rPr lang="en-US" sz="1800" b="1" dirty="0">
+                <a:solidFill>
+                  <a:schemeClr val="dk1"/>
+                </a:solidFill>
+              </a:rPr>
+              <a:t>, </a:t>
+            </a:r>
+            <a:r>
+              <a:rPr lang="en-US" sz="1800" b="1" dirty="0" err="1">
+                <a:solidFill>
+                  <a:schemeClr val="dk1"/>
+                </a:solidFill>
+              </a:rPr>
+              <a:t>이민법</a:t>
+            </a:r>
+            <a:r>
+              <a:rPr lang="en-US" sz="1800" b="1" dirty="0">
+                <a:solidFill>
+                  <a:schemeClr val="dk1"/>
+                </a:solidFill>
+              </a:rPr>
+              <a:t> </a:t>
+            </a:r>
+            <a:r>
+              <a:rPr lang="en-US" sz="1800" b="1" dirty="0" err="1">
+                <a:solidFill>
+                  <a:schemeClr val="dk1"/>
+                </a:solidFill>
+              </a:rPr>
+              <a:t>개혁</a:t>
+            </a:r>
+            <a:r>
+              <a:rPr lang="en-US" sz="1800" b="1" dirty="0">
+                <a:solidFill>
+                  <a:schemeClr val="dk1"/>
+                </a:solidFill>
+              </a:rPr>
+              <a:t> </a:t>
+            </a:r>
+            <a:r>
+              <a:rPr lang="en-US" sz="1800" b="1" dirty="0" err="1">
+                <a:solidFill>
+                  <a:schemeClr val="dk1"/>
+                </a:solidFill>
+              </a:rPr>
+              <a:t>여부</a:t>
+            </a:r>
+            <a:r>
+              <a:rPr lang="en-US" sz="1800" b="1" dirty="0">
+                <a:solidFill>
+                  <a:schemeClr val="dk1"/>
+                </a:solidFill>
+              </a:rPr>
+              <a:t>, </a:t>
+            </a:r>
+            <a:r>
+              <a:rPr lang="en-US" sz="1800" b="1" dirty="0" err="1">
+                <a:solidFill>
+                  <a:schemeClr val="dk1"/>
+                </a:solidFill>
+              </a:rPr>
+              <a:t>오바마</a:t>
+            </a:r>
+            <a:r>
+              <a:rPr lang="en-US" sz="1800" b="1" dirty="0">
+                <a:solidFill>
+                  <a:schemeClr val="dk1"/>
+                </a:solidFill>
+              </a:rPr>
+              <a:t> </a:t>
+            </a:r>
+            <a:r>
+              <a:rPr lang="en-US" sz="1800" b="1" dirty="0" err="1">
+                <a:solidFill>
+                  <a:schemeClr val="dk1"/>
+                </a:solidFill>
+              </a:rPr>
+              <a:t>케어</a:t>
+            </a:r>
+            <a:r>
+              <a:rPr lang="en-US" sz="1800" b="1" dirty="0">
+                <a:solidFill>
+                  <a:schemeClr val="dk1"/>
+                </a:solidFill>
+              </a:rPr>
+              <a:t> </a:t>
+            </a:r>
+            <a:r>
+              <a:rPr lang="en-US" sz="1800" b="1" dirty="0" err="1">
+                <a:solidFill>
+                  <a:schemeClr val="dk1"/>
+                </a:solidFill>
+              </a:rPr>
+              <a:t>존폐</a:t>
+            </a:r>
+            <a:r>
+              <a:rPr lang="en-US" sz="1800" b="1" dirty="0">
+                <a:solidFill>
+                  <a:schemeClr val="dk1"/>
+                </a:solidFill>
+              </a:rPr>
+              <a:t> </a:t>
+            </a:r>
+            <a:r>
+              <a:rPr lang="en-US" sz="1800" b="1" dirty="0" err="1">
+                <a:solidFill>
+                  <a:schemeClr val="dk1"/>
+                </a:solidFill>
+              </a:rPr>
+              <a:t>여부</a:t>
+            </a:r>
+            <a:r>
+              <a:rPr lang="en-US" sz="1800" b="1" dirty="0">
+                <a:solidFill>
+                  <a:schemeClr val="dk1"/>
+                </a:solidFill>
+              </a:rPr>
+              <a:t>,</a:t>
+            </a:r>
+            <a:endParaRPr sz="1800" b="1" dirty="0">
               <a:solidFill>
                 <a:schemeClr val="dk1"/>
               </a:solidFill>
@@ -36625,14 +36809,94 @@
               <a:buNone/>
             </a:pPr>
             <a:r>
-              <a:rPr lang="en-US" sz="1800" b="1">
-                <a:solidFill>
-                  <a:schemeClr val="dk1"/>
-                </a:solidFill>
-              </a:rPr>
-              <a:t> 2016 경선 및 대선, 멕시코 국경 문제), </a:t>
-            </a:r>
-            <a:endParaRPr sz="1800" b="1">
+              <a:rPr lang="en-US" sz="1800" b="1" dirty="0">
+                <a:solidFill>
+                  <a:schemeClr val="dk1"/>
+                </a:solidFill>
+              </a:rPr>
+              <a:t> 2016 </a:t>
+            </a:r>
+            <a:r>
+              <a:rPr lang="en-US" sz="1800" b="1" dirty="0" err="1">
+                <a:solidFill>
+                  <a:schemeClr val="dk1"/>
+                </a:solidFill>
+              </a:rPr>
+              <a:t>경선</a:t>
+            </a:r>
+            <a:r>
+              <a:rPr lang="en-US" sz="1800" b="1" dirty="0">
+                <a:solidFill>
+                  <a:schemeClr val="dk1"/>
+                </a:solidFill>
+              </a:rPr>
+              <a:t> 및 </a:t>
+            </a:r>
+            <a:r>
+              <a:rPr lang="en-US" sz="1800" b="1" dirty="0" err="1">
+                <a:solidFill>
+                  <a:schemeClr val="dk1"/>
+                </a:solidFill>
+              </a:rPr>
+              <a:t>대선</a:t>
+            </a:r>
+            <a:r>
+              <a:rPr lang="en-US" sz="1800" b="1" dirty="0">
+                <a:solidFill>
+                  <a:schemeClr val="dk1"/>
+                </a:solidFill>
+              </a:rPr>
+              <a:t>, </a:t>
+            </a:r>
+            <a:r>
+              <a:rPr lang="en-US" sz="1800" b="1" dirty="0" err="1">
+                <a:solidFill>
+                  <a:schemeClr val="dk1"/>
+                </a:solidFill>
+              </a:rPr>
+              <a:t>멕시코</a:t>
+            </a:r>
+            <a:r>
+              <a:rPr lang="en-US" sz="1800" b="1" dirty="0">
+                <a:solidFill>
+                  <a:schemeClr val="dk1"/>
+                </a:solidFill>
+              </a:rPr>
+              <a:t> </a:t>
+            </a:r>
+            <a:r>
+              <a:rPr lang="en-US" sz="1800" b="1" dirty="0" err="1">
+                <a:solidFill>
+                  <a:schemeClr val="dk1"/>
+                </a:solidFill>
+              </a:rPr>
+              <a:t>국경</a:t>
+            </a:r>
+            <a:r>
+              <a:rPr lang="en-US" sz="1800" b="1" dirty="0">
+                <a:solidFill>
+                  <a:schemeClr val="dk1"/>
+                </a:solidFill>
+              </a:rPr>
+              <a:t> </a:t>
+            </a:r>
+            <a:r>
+              <a:rPr lang="en-US" sz="1800" b="1" dirty="0" err="1">
+                <a:solidFill>
+                  <a:schemeClr val="dk1"/>
+                </a:solidFill>
+              </a:rPr>
+              <a:t>문제</a:t>
+            </a:r>
+            <a:r>
+              <a:rPr lang="en-US" sz="1800" b="1" dirty="0">
+                <a:solidFill>
+                  <a:schemeClr val="dk1"/>
+                </a:solidFill>
+              </a:rPr>
+              <a:t>), </a:t>
+            </a:r>
+            <a:endParaRPr sz="1800" b="1" dirty="0">
               <a:solidFill>
                 <a:schemeClr val="dk1"/>
               </a:solidFill>
@@ -36649,14 +36913,166 @@
               <a:buNone/>
             </a:pPr>
             <a:r>
-              <a:rPr lang="en-US" sz="1800" b="1">
-                <a:solidFill>
-                  <a:schemeClr val="dk1"/>
-                </a:solidFill>
-              </a:rPr>
-              <a:t>정치적 논란(힐러리 이메일 논란, 러시아 게이트-러시아 대선 개입 논란)</a:t>
-            </a:r>
-            <a:endParaRPr>
+              <a:rPr lang="en-US" sz="1800" b="1" dirty="0" err="1">
+                <a:solidFill>
+                  <a:schemeClr val="dk1"/>
+                </a:solidFill>
+              </a:rPr>
+              <a:t>정치적</a:t>
+            </a:r>
+            <a:r>
+              <a:rPr lang="en-US" sz="1800" b="1" dirty="0">
+                <a:solidFill>
+                  <a:schemeClr val="dk1"/>
+                </a:solidFill>
+              </a:rPr>
+              <a:t> </a:t>
+            </a:r>
+            <a:r>
+              <a:rPr lang="en-US" sz="1800" b="1" dirty="0" err="1">
+                <a:solidFill>
+                  <a:schemeClr val="dk1"/>
+                </a:solidFill>
+              </a:rPr>
+              <a:t>논란</a:t>
+            </a:r>
+            <a:r>
+              <a:rPr lang="en-US" sz="1800" b="1" dirty="0">
+                <a:solidFill>
+                  <a:schemeClr val="dk1"/>
+                </a:solidFill>
+              </a:rPr>
+              <a:t>(</a:t>
+            </a:r>
+            <a:r>
+              <a:rPr lang="en-US" sz="1800" b="1" dirty="0" err="1">
+                <a:solidFill>
+                  <a:schemeClr val="dk1"/>
+                </a:solidFill>
+              </a:rPr>
+              <a:t>힐러리</a:t>
+            </a:r>
+            <a:r>
+              <a:rPr lang="en-US" sz="1800" b="1" dirty="0">
+                <a:solidFill>
+                  <a:schemeClr val="dk1"/>
+                </a:solidFill>
+              </a:rPr>
+              <a:t> </a:t>
+            </a:r>
+            <a:r>
+              <a:rPr lang="en-US" sz="1800" b="1" dirty="0" err="1">
+                <a:solidFill>
+                  <a:schemeClr val="dk1"/>
+                </a:solidFill>
+              </a:rPr>
+              <a:t>이메일</a:t>
+            </a:r>
+            <a:r>
+              <a:rPr lang="en-US" sz="1800" b="1" dirty="0">
+                <a:solidFill>
+                  <a:schemeClr val="dk1"/>
+                </a:solidFill>
+              </a:rPr>
+              <a:t> </a:t>
+            </a:r>
+            <a:r>
+              <a:rPr lang="en-US" sz="1800" b="1" dirty="0" err="1">
+                <a:solidFill>
+                  <a:schemeClr val="dk1"/>
+                </a:solidFill>
+              </a:rPr>
+              <a:t>논란</a:t>
+            </a:r>
+            <a:r>
+              <a:rPr lang="en-US" sz="1800" b="1" dirty="0">
+                <a:solidFill>
+                  <a:schemeClr val="dk1"/>
+                </a:solidFill>
+              </a:rPr>
+              <a:t>, </a:t>
+            </a:r>
+            <a:r>
+              <a:rPr lang="en-US" sz="1800" b="1" dirty="0" err="1">
+                <a:solidFill>
+                  <a:schemeClr val="dk1"/>
+                </a:solidFill>
+              </a:rPr>
+              <a:t>러시아</a:t>
+            </a:r>
+            <a:r>
+              <a:rPr lang="en-US" sz="1800" b="1" dirty="0">
+                <a:solidFill>
+                  <a:schemeClr val="dk1"/>
+                </a:solidFill>
+              </a:rPr>
+              <a:t> </a:t>
+            </a:r>
+            <a:r>
+              <a:rPr lang="en-US" sz="1800" b="1" dirty="0" err="1">
+                <a:solidFill>
+                  <a:schemeClr val="dk1"/>
+                </a:solidFill>
+              </a:rPr>
+              <a:t>게이트-러시아</a:t>
+            </a:r>
+            <a:r>
+              <a:rPr lang="en-US" sz="1800" b="1" dirty="0">
+                <a:solidFill>
+                  <a:schemeClr val="dk1"/>
+                </a:solidFill>
+              </a:rPr>
+              <a:t> </a:t>
+            </a:r>
+            <a:r>
+              <a:rPr lang="en-US" sz="1800" b="1" dirty="0" err="1">
+                <a:solidFill>
+                  <a:schemeClr val="dk1"/>
+                </a:solidFill>
+              </a:rPr>
+              <a:t>대선</a:t>
+            </a:r>
+            <a:r>
+              <a:rPr lang="en-US" sz="1800" b="1" dirty="0">
+                <a:solidFill>
+                  <a:schemeClr val="dk1"/>
+                </a:solidFill>
+              </a:rPr>
+              <a:t> </a:t>
+            </a:r>
+            <a:r>
+              <a:rPr lang="en-US" sz="1800" b="1" dirty="0" err="1">
+                <a:solidFill>
+                  <a:schemeClr val="dk1"/>
+                </a:solidFill>
+              </a:rPr>
+              <a:t>개입</a:t>
+            </a:r>
+            <a:r>
+              <a:rPr lang="en-US" sz="1800" b="1" dirty="0">
+                <a:solidFill>
+                  <a:schemeClr val="dk1"/>
+                </a:solidFill>
+              </a:rPr>
+              <a:t> </a:t>
+            </a:r>
+            <a:r>
+              <a:rPr lang="en-US" sz="1800" b="1" dirty="0" err="1">
+                <a:solidFill>
+                  <a:schemeClr val="dk1"/>
+                </a:solidFill>
+              </a:rPr>
+              <a:t>논란</a:t>
+            </a:r>
+            <a:r>
+              <a:rPr lang="en-US" sz="1800" b="1" dirty="0">
+                <a:solidFill>
+                  <a:schemeClr val="dk1"/>
+                </a:solidFill>
+              </a:rPr>
+              <a:t>)</a:t>
+            </a:r>
+            <a:endParaRPr dirty="0">
               <a:solidFill>
                 <a:schemeClr val="dk1"/>
               </a:solidFill>
@@ -36898,6 +37314,36 @@
           </a:p>
         </p:txBody>
       </p:sp>
+      <p:pic>
+        <p:nvPicPr>
+          <p:cNvPr id="4" name="그림 3">
+            <a:extLst>
+              <a:ext uri="{FF2B5EF4-FFF2-40B4-BE49-F238E27FC236}">
+                <a16:creationId xmlns:a16="http://schemas.microsoft.com/office/drawing/2014/main" id="{4BF95153-7896-4124-82C3-2113F2F6803E}"/>
+              </a:ext>
+            </a:extLst>
+          </p:cNvPr>
+          <p:cNvPicPr>
+            <a:picLocks noChangeAspect="1"/>
+          </p:cNvPicPr>
+          <p:nvPr/>
+        </p:nvPicPr>
+        <p:blipFill>
+          <a:blip r:embed="rId3"/>
+          <a:stretch>
+            <a:fillRect/>
+          </a:stretch>
+        </p:blipFill>
+        <p:spPr>
+          <a:xfrm>
+            <a:off x="2936081" y="2462955"/>
+            <a:ext cx="6191250" cy="4124325"/>
+          </a:xfrm>
+          <a:prstGeom prst="rect">
+            <a:avLst/>
+          </a:prstGeom>
+        </p:spPr>
+      </p:pic>
     </p:spTree>
   </p:cSld>
   <p:clrMapOvr>
@@ -37399,7 +37845,7 @@
                 <a:spcPts val="0"/>
               </a:spcAft>
               <a:buClr>
-                <a:schemeClr val="dk1"/>
+                <a:schemeClr val="accent2"/>
               </a:buClr>
               <a:buSzPts val="2000"/>
               <a:buChar char="❖"/>
@@ -37459,7 +37905,7 @@
                 <a:spcPts val="0"/>
               </a:spcAft>
               <a:buClr>
-                <a:schemeClr val="dk1"/>
+                <a:schemeClr val="accent2"/>
               </a:buClr>
               <a:buSzPts val="2000"/>
               <a:buChar char="❖"/>
@@ -37519,7 +37965,7 @@
                 <a:spcPts val="0"/>
               </a:spcAft>
               <a:buClr>
-                <a:schemeClr val="dk1"/>
+                <a:schemeClr val="accent2"/>
               </a:buClr>
               <a:buSzPts val="2000"/>
               <a:buChar char="❖"/>
@@ -37643,7 +38089,7 @@
                 <a:spcPts val="0"/>
               </a:spcAft>
               <a:buClr>
-                <a:schemeClr val="dk1"/>
+                <a:schemeClr val="accent2"/>
               </a:buClr>
               <a:buSzPts val="2000"/>
               <a:buChar char="❖"/>
@@ -37727,7 +38173,7 @@
                 <a:spcPts val="0"/>
               </a:spcAft>
               <a:buClr>
-                <a:schemeClr val="dk1"/>
+                <a:schemeClr val="accent2"/>
               </a:buClr>
               <a:buSzPts val="2000"/>
               <a:buChar char="❖"/>

--- a/final_pptNLP.pptx
+++ b/final_pptNLP.pptx
@@ -6205,88 +6205,6 @@
             <a:noAutofit/>
           </a:bodyPr>
           <a:lstStyle/>
-          <a:p>
-            <a:pPr marL="0" lvl="0" indent="0" algn="l" rtl="0">
-              <a:lnSpc>
-                <a:spcPct val="100000"/>
-              </a:lnSpc>
-              <a:spcBef>
-                <a:spcPts val="0"/>
-              </a:spcBef>
-              <a:spcAft>
-                <a:spcPts val="0"/>
-              </a:spcAft>
-              <a:buSzPts val="1100"/>
-              <a:buNone/>
-            </a:pPr>
-            <a:r>
-              <a:rPr lang="ko-KR" altLang="en-US" dirty="0"/>
-              <a:t>터키 </a:t>
-            </a:r>
-            <a:r>
-              <a:rPr lang="en-US" altLang="ko-KR" dirty="0"/>
-              <a:t>- </a:t>
-            </a:r>
-            <a:r>
-              <a:rPr lang="ko-KR" altLang="en-US" dirty="0"/>
-              <a:t>독일 이주자 문제로 대립</a:t>
-            </a:r>
-          </a:p>
-          <a:p>
-            <a:pPr marL="0" lvl="0" indent="0" algn="l" rtl="0">
-              <a:lnSpc>
-                <a:spcPct val="100000"/>
-              </a:lnSpc>
-              <a:spcBef>
-                <a:spcPts val="0"/>
-              </a:spcBef>
-              <a:spcAft>
-                <a:spcPts val="0"/>
-              </a:spcAft>
-              <a:buSzPts val="1100"/>
-              <a:buNone/>
-            </a:pPr>
-            <a:r>
-              <a:rPr lang="en-US" altLang="ko-KR" dirty="0"/>
-              <a:t>-&gt; </a:t>
-            </a:r>
-            <a:r>
-              <a:rPr lang="ko-KR" altLang="en-US" dirty="0"/>
-              <a:t>이스라엘 터키 독일 이주자 등등 묶을 수 있을 듯 해요</a:t>
-            </a:r>
-          </a:p>
-          <a:p>
-            <a:pPr marL="0" lvl="0" indent="0" algn="l" rtl="0">
-              <a:lnSpc>
-                <a:spcPct val="100000"/>
-              </a:lnSpc>
-              <a:spcBef>
-                <a:spcPts val="0"/>
-              </a:spcBef>
-              <a:spcAft>
-                <a:spcPts val="0"/>
-              </a:spcAft>
-              <a:buSzPts val="1100"/>
-              <a:buNone/>
-            </a:pPr>
-            <a:endParaRPr lang="ko-KR" altLang="en-US" dirty="0"/>
-          </a:p>
-          <a:p>
-            <a:pPr marL="0" lvl="0" indent="0" algn="l" rtl="0">
-              <a:lnSpc>
-                <a:spcPct val="100000"/>
-              </a:lnSpc>
-              <a:spcBef>
-                <a:spcPts val="0"/>
-              </a:spcBef>
-              <a:spcAft>
-                <a:spcPts val="0"/>
-              </a:spcAft>
-              <a:buSzPts val="1100"/>
-              <a:buNone/>
-            </a:pPr>
-            <a:endParaRPr lang="ko-KR" altLang="en-US" dirty="0"/>
-          </a:p>
           <a:p>
             <a:pPr marL="0" lvl="0" indent="0" algn="l" rtl="0">
               <a:lnSpc>
@@ -39037,8 +38955,8 @@
         </p:nvSpPr>
         <p:spPr>
           <a:xfrm>
-            <a:off x="2231135" y="201548"/>
-            <a:ext cx="7729800" cy="1192239"/>
+            <a:off x="2231135" y="201549"/>
+            <a:ext cx="7729800" cy="937440"/>
           </a:xfrm>
           <a:prstGeom prst="rect">
             <a:avLst/>
@@ -39099,7 +39017,7 @@
         </p:nvSpPr>
         <p:spPr>
           <a:xfrm>
-            <a:off x="406456" y="1461094"/>
+            <a:off x="406456" y="1380884"/>
             <a:ext cx="7426325" cy="2943750"/>
           </a:xfrm>
           <a:prstGeom prst="rect">
@@ -42086,16 +42004,13 @@
             </a:r>
             <a:r>
               <a:rPr lang="en-US" sz="2000" b="1" dirty="0"/>
-              <a:t> 수 </a:t>
-            </a:r>
-            <a:r>
-              <a:rPr lang="en-US" sz="2000" b="1" dirty="0" err="1"/>
-              <a:t>있었다</a:t>
-            </a:r>
-            <a:r>
-              <a:rPr lang="en-US" sz="2000" b="1" dirty="0"/>
-              <a:t>.</a:t>
-            </a:r>
+              <a:t> 수 있</a:t>
+            </a:r>
+            <a:r>
+              <a:rPr lang="ko-KR" altLang="en-US" sz="2000" b="1" dirty="0"/>
+              <a:t>음</a:t>
+            </a:r>
+            <a:endParaRPr lang="en-US" sz="2000" b="1" dirty="0"/>
           </a:p>
           <a:p>
             <a:pPr indent="-381000">
@@ -42165,7 +42080,7 @@
               <a:rPr lang="ko-KR" altLang="en-US" sz="2000" b="1" dirty="0">
                 <a:cs typeface="Arial" panose="020B0604020202020204" pitchFamily="34" charset="0"/>
               </a:rPr>
-              <a:t>특정 사건을 다루는 기사 데이터가 있었다면 토픽이 더 명확했을 것</a:t>
+              <a:t>특정 사건을 다루는 기사 데이터로 진행했다면 토픽이 더 명확했을 것</a:t>
             </a:r>
             <a:endParaRPr lang="en-US" altLang="ko-KR" sz="2000" b="1" dirty="0">
               <a:cs typeface="Arial" panose="020B0604020202020204" pitchFamily="34" charset="0"/>
@@ -42198,7 +42113,23 @@
                   <a:schemeClr val="dk1"/>
                 </a:solidFill>
               </a:rPr>
-              <a:t>중립적 언론사와 두 진영에서 쓰인 공통 단어와의 차이점을 비교함으로써 실제 중립을 지키고 있는지 살펴볼 수도 있음</a:t>
+              <a:t>중립적 언론사와 두 진영에서 쓰인 공통 단어와의 차이점을 비교할 수</a:t>
+            </a:r>
+            <a:r>
+              <a:rPr lang="en-US" altLang="ko-KR" sz="2000" b="1" dirty="0">
+                <a:solidFill>
+                  <a:schemeClr val="dk1"/>
+                </a:solidFill>
+              </a:rPr>
+              <a:t> </a:t>
+            </a:r>
+            <a:r>
+              <a:rPr lang="ko-KR" altLang="en-US" sz="2000" b="1" dirty="0">
+                <a:solidFill>
+                  <a:schemeClr val="dk1"/>
+                </a:solidFill>
+              </a:rPr>
+              <a:t>있음</a:t>
             </a:r>
             <a:endParaRPr lang="en-US" altLang="ko-KR" sz="2000" b="1" dirty="0">
               <a:solidFill>
@@ -47901,7 +47832,7 @@
           <p:spPr>
             <a:xfrm>
               <a:off x="31015" y="913599"/>
-              <a:ext cx="1506815" cy="882133"/>
+              <a:ext cx="1534259" cy="882133"/>
             </a:xfrm>
             <a:prstGeom prst="rect">
               <a:avLst/>
@@ -47935,7 +47866,7 @@
                 <a:buNone/>
               </a:pPr>
               <a:r>
-                <a:rPr lang="en-US" sz="1900" b="0" i="0" u="none" strike="noStrike" cap="none">
+                <a:rPr lang="en-US" sz="1900" b="0" i="0" u="none" strike="noStrike" cap="none" dirty="0">
                   <a:solidFill>
                     <a:schemeClr val="lt1"/>
                   </a:solidFill>
@@ -47946,7 +47877,7 @@
                 </a:rPr>
                 <a:t>preprocessing</a:t>
               </a:r>
-              <a:endParaRPr sz="1900" b="0" i="0" u="none" strike="noStrike" cap="none">
+              <a:endParaRPr sz="1900" b="0" i="0" u="none" strike="noStrike" cap="none" dirty="0">
                 <a:solidFill>
                   <a:schemeClr val="lt1"/>
                 </a:solidFill>
